--- a/Curso de Introdução à linguagem Scala.pptx
+++ b/Curso de Introdução à linguagem Scala.pptx
@@ -109,6 +109,11 @@
       </a:defRPr>
     </a:lvl9pPr>
   </p:defaultTextStyle>
+  <p:extLst>
+    <p:ext uri="{EFAFB233-063F-42B5-8137-9DF3F51BA10A}">
+      <p15:sldGuideLst xmlns:p15="http://schemas.microsoft.com/office/powerpoint/2012/main"/>
+    </p:ext>
+  </p:extLst>
 </p:presentation>
 </file>
 
@@ -325,7 +330,7 @@
           <a:p>
             <a:fld id="{050F6DEB-2DF2-49A6-A845-919113FB86AE}" type="datetimeFigureOut">
               <a:rPr lang="pt-BR" smtClean="0"/>
-              <a:t>15/10/2015</a:t>
+              <a:t>30/10/2015</a:t>
             </a:fld>
             <a:endParaRPr lang="pt-BR"/>
           </a:p>
@@ -621,7 +626,7 @@
           <a:p>
             <a:fld id="{050F6DEB-2DF2-49A6-A845-919113FB86AE}" type="datetimeFigureOut">
               <a:rPr lang="pt-BR" smtClean="0"/>
-              <a:t>15/10/2015</a:t>
+              <a:t>30/10/2015</a:t>
             </a:fld>
             <a:endParaRPr lang="pt-BR"/>
           </a:p>
@@ -880,7 +885,7 @@
           <a:p>
             <a:fld id="{050F6DEB-2DF2-49A6-A845-919113FB86AE}" type="datetimeFigureOut">
               <a:rPr lang="pt-BR" smtClean="0"/>
-              <a:t>15/10/2015</a:t>
+              <a:t>30/10/2015</a:t>
             </a:fld>
             <a:endParaRPr lang="pt-BR"/>
           </a:p>
@@ -1349,7 +1354,7 @@
           <a:p>
             <a:fld id="{050F6DEB-2DF2-49A6-A845-919113FB86AE}" type="datetimeFigureOut">
               <a:rPr lang="pt-BR" smtClean="0"/>
-              <a:t>15/10/2015</a:t>
+              <a:t>30/10/2015</a:t>
             </a:fld>
             <a:endParaRPr lang="pt-BR"/>
           </a:p>
@@ -1529,7 +1534,7 @@
           <a:p>
             <a:fld id="{050F6DEB-2DF2-49A6-A845-919113FB86AE}" type="datetimeFigureOut">
               <a:rPr lang="pt-BR" smtClean="0"/>
-              <a:t>15/10/2015</a:t>
+              <a:t>30/10/2015</a:t>
             </a:fld>
             <a:endParaRPr lang="pt-BR"/>
           </a:p>
@@ -2105,7 +2110,7 @@
           <a:p>
             <a:fld id="{050F6DEB-2DF2-49A6-A845-919113FB86AE}" type="datetimeFigureOut">
               <a:rPr lang="pt-BR" smtClean="0"/>
-              <a:t>15/10/2015</a:t>
+              <a:t>30/10/2015</a:t>
             </a:fld>
             <a:endParaRPr lang="pt-BR"/>
           </a:p>
@@ -2437,7 +2442,7 @@
           <a:p>
             <a:fld id="{050F6DEB-2DF2-49A6-A845-919113FB86AE}" type="datetimeFigureOut">
               <a:rPr lang="pt-BR" smtClean="0"/>
-              <a:t>15/10/2015</a:t>
+              <a:t>30/10/2015</a:t>
             </a:fld>
             <a:endParaRPr lang="pt-BR"/>
           </a:p>
@@ -2612,7 +2617,7 @@
           <a:p>
             <a:fld id="{050F6DEB-2DF2-49A6-A845-919113FB86AE}" type="datetimeFigureOut">
               <a:rPr lang="pt-BR" smtClean="0"/>
-              <a:t>15/10/2015</a:t>
+              <a:t>30/10/2015</a:t>
             </a:fld>
             <a:endParaRPr lang="pt-BR"/>
           </a:p>
@@ -2792,7 +2797,7 @@
           <a:p>
             <a:fld id="{050F6DEB-2DF2-49A6-A845-919113FB86AE}" type="datetimeFigureOut">
               <a:rPr lang="pt-BR" smtClean="0"/>
-              <a:t>15/10/2015</a:t>
+              <a:t>30/10/2015</a:t>
             </a:fld>
             <a:endParaRPr lang="pt-BR"/>
           </a:p>
@@ -2967,7 +2972,7 @@
           <a:p>
             <a:fld id="{050F6DEB-2DF2-49A6-A845-919113FB86AE}" type="datetimeFigureOut">
               <a:rPr lang="pt-BR" smtClean="0"/>
-              <a:t>15/10/2015</a:t>
+              <a:t>30/10/2015</a:t>
             </a:fld>
             <a:endParaRPr lang="pt-BR"/>
           </a:p>
@@ -3224,7 +3229,7 @@
           <a:p>
             <a:fld id="{050F6DEB-2DF2-49A6-A845-919113FB86AE}" type="datetimeFigureOut">
               <a:rPr lang="pt-BR" smtClean="0"/>
-              <a:t>15/10/2015</a:t>
+              <a:t>30/10/2015</a:t>
             </a:fld>
             <a:endParaRPr lang="pt-BR"/>
           </a:p>
@@ -3521,7 +3526,7 @@
           <a:p>
             <a:fld id="{050F6DEB-2DF2-49A6-A845-919113FB86AE}" type="datetimeFigureOut">
               <a:rPr lang="pt-BR" smtClean="0"/>
-              <a:t>15/10/2015</a:t>
+              <a:t>30/10/2015</a:t>
             </a:fld>
             <a:endParaRPr lang="pt-BR"/>
           </a:p>
@@ -3951,7 +3956,7 @@
           <a:p>
             <a:fld id="{050F6DEB-2DF2-49A6-A845-919113FB86AE}" type="datetimeFigureOut">
               <a:rPr lang="pt-BR" smtClean="0"/>
-              <a:t>15/10/2015</a:t>
+              <a:t>30/10/2015</a:t>
             </a:fld>
             <a:endParaRPr lang="pt-BR"/>
           </a:p>
@@ -4069,7 +4074,7 @@
           <a:p>
             <a:fld id="{050F6DEB-2DF2-49A6-A845-919113FB86AE}" type="datetimeFigureOut">
               <a:rPr lang="pt-BR" smtClean="0"/>
-              <a:t>15/10/2015</a:t>
+              <a:t>30/10/2015</a:t>
             </a:fld>
             <a:endParaRPr lang="pt-BR"/>
           </a:p>
@@ -4164,7 +4169,7 @@
           <a:p>
             <a:fld id="{050F6DEB-2DF2-49A6-A845-919113FB86AE}" type="datetimeFigureOut">
               <a:rPr lang="pt-BR" smtClean="0"/>
-              <a:t>15/10/2015</a:t>
+              <a:t>30/10/2015</a:t>
             </a:fld>
             <a:endParaRPr lang="pt-BR"/>
           </a:p>
@@ -4447,7 +4452,7 @@
           <a:p>
             <a:fld id="{050F6DEB-2DF2-49A6-A845-919113FB86AE}" type="datetimeFigureOut">
               <a:rPr lang="pt-BR" smtClean="0"/>
-              <a:t>15/10/2015</a:t>
+              <a:t>30/10/2015</a:t>
             </a:fld>
             <a:endParaRPr lang="pt-BR"/>
           </a:p>
@@ -4738,7 +4743,7 @@
           <a:p>
             <a:fld id="{050F6DEB-2DF2-49A6-A845-919113FB86AE}" type="datetimeFigureOut">
               <a:rPr lang="pt-BR" smtClean="0"/>
-              <a:t>15/10/2015</a:t>
+              <a:t>30/10/2015</a:t>
             </a:fld>
             <a:endParaRPr lang="pt-BR"/>
           </a:p>
@@ -4969,7 +4974,7 @@
           <a:p>
             <a:fld id="{050F6DEB-2DF2-49A6-A845-919113FB86AE}" type="datetimeFigureOut">
               <a:rPr lang="pt-BR" smtClean="0"/>
-              <a:t>15/10/2015</a:t>
+              <a:t>30/10/2015</a:t>
             </a:fld>
             <a:endParaRPr lang="pt-BR"/>
           </a:p>
@@ -6165,7 +6170,20 @@
           <a:p>
             <a:r>
               <a:rPr lang="pt-BR" dirty="0" smtClean="0"/>
-              <a:t>[Coloque aqui seu nome e R.A.]</a:t>
+              <a:t>[Coloque aqui seu nome e R.A</a:t>
+            </a:r>
+            <a:r>
+              <a:rPr lang="pt-BR" dirty="0" smtClean="0"/>
+              <a:t>.]</a:t>
+            </a:r>
+          </a:p>
+          <a:p>
+            <a:endParaRPr lang="pt-BR" dirty="0"/>
+          </a:p>
+          <a:p>
+            <a:r>
+              <a:rPr lang="pt-BR" smtClean="0"/>
+              <a:t>retetet</a:t>
             </a:r>
             <a:endParaRPr lang="pt-BR" dirty="0"/>
           </a:p>

--- a/Curso de Introdução à linguagem Scala.pptx
+++ b/Curso de Introdução à linguagem Scala.pptx
@@ -6,11 +6,12 @@
   </p:sldMasterIdLst>
   <p:sldIdLst>
     <p:sldId id="256" r:id="rId2"/>
-    <p:sldId id="257" r:id="rId3"/>
-    <p:sldId id="258" r:id="rId4"/>
-    <p:sldId id="259" r:id="rId5"/>
-    <p:sldId id="260" r:id="rId6"/>
-    <p:sldId id="261" r:id="rId7"/>
+    <p:sldId id="262" r:id="rId3"/>
+    <p:sldId id="257" r:id="rId4"/>
+    <p:sldId id="258" r:id="rId5"/>
+    <p:sldId id="259" r:id="rId6"/>
+    <p:sldId id="260" r:id="rId7"/>
+    <p:sldId id="261" r:id="rId8"/>
   </p:sldIdLst>
   <p:sldSz cx="12192000" cy="6858000"/>
   <p:notesSz cx="6858000" cy="9144000"/>
@@ -5840,8 +5841,8 @@
           <a:lstStyle/>
           <a:p>
             <a:r>
-              <a:rPr lang="pt-BR" dirty="0" smtClean="0"/>
-              <a:t>Introdução</a:t>
+              <a:rPr lang="pt-BR" smtClean="0"/>
+              <a:t>Slide 2</a:t>
             </a:r>
             <a:endParaRPr lang="pt-BR" dirty="0"/>
           </a:p>
@@ -5862,18 +5863,14 @@
           <a:bodyPr/>
           <a:lstStyle/>
           <a:p>
-            <a:r>
-              <a:rPr lang="pt-BR" dirty="0" smtClean="0"/>
-              <a:t>[Colocar aqui um texto com a parte introdutória do curso]</a:t>
-            </a:r>
-            <a:endParaRPr lang="pt-BR" dirty="0"/>
+            <a:endParaRPr lang="pt-BR"/>
           </a:p>
         </p:txBody>
       </p:sp>
     </p:spTree>
     <p:extLst>
       <p:ext uri="{BB962C8B-B14F-4D97-AF65-F5344CB8AC3E}">
-        <p14:creationId xmlns:p14="http://schemas.microsoft.com/office/powerpoint/2010/main" val="2930776956"/>
+        <p14:creationId xmlns:p14="http://schemas.microsoft.com/office/powerpoint/2010/main" val="757134860"/>
       </p:ext>
     </p:extLst>
   </p:cSld>
@@ -5917,7 +5914,7 @@
           <a:p>
             <a:r>
               <a:rPr lang="pt-BR" dirty="0" smtClean="0"/>
-              <a:t>[Tópicos]</a:t>
+              <a:t>Introdução</a:t>
             </a:r>
             <a:endParaRPr lang="pt-BR" dirty="0"/>
           </a:p>
@@ -5940,7 +5937,7 @@
           <a:p>
             <a:r>
               <a:rPr lang="pt-BR" dirty="0" smtClean="0"/>
-              <a:t>[Aqui cada um coloca sua parte do trabalho(com o seu devido tópico, prestar atenção na numeração dos tópicos, se existir), na sua respectiva ordem e já formatando conforme combinado]</a:t>
+              <a:t>[Colocar aqui um texto com a parte introdutória do curso]</a:t>
             </a:r>
             <a:endParaRPr lang="pt-BR" dirty="0"/>
           </a:p>
@@ -5949,7 +5946,7 @@
     </p:spTree>
     <p:extLst>
       <p:ext uri="{BB962C8B-B14F-4D97-AF65-F5344CB8AC3E}">
-        <p14:creationId xmlns:p14="http://schemas.microsoft.com/office/powerpoint/2010/main" val="1919137567"/>
+        <p14:creationId xmlns:p14="http://schemas.microsoft.com/office/powerpoint/2010/main" val="2930776956"/>
       </p:ext>
     </p:extLst>
   </p:cSld>
@@ -5993,7 +5990,7 @@
           <a:p>
             <a:r>
               <a:rPr lang="pt-BR" dirty="0" smtClean="0"/>
-              <a:t>Conclusão</a:t>
+              <a:t>[Tópicos]</a:t>
             </a:r>
             <a:endParaRPr lang="pt-BR" dirty="0"/>
           </a:p>
@@ -6016,10 +6013,8 @@
           <a:p>
             <a:r>
               <a:rPr lang="pt-BR" dirty="0" smtClean="0"/>
-              <a:t>[Colocar aqui um texto com a parte da conclusão do curso]</a:t>
-            </a:r>
-          </a:p>
-          <a:p>
+              <a:t>[Aqui cada um coloca sua parte do trabalho(com o seu devido tópico, prestar atenção na numeração dos tópicos, se existir), na sua respectiva ordem e já formatando conforme combinado]</a:t>
+            </a:r>
             <a:endParaRPr lang="pt-BR" dirty="0"/>
           </a:p>
         </p:txBody>
@@ -6027,7 +6022,7 @@
     </p:spTree>
     <p:extLst>
       <p:ext uri="{BB962C8B-B14F-4D97-AF65-F5344CB8AC3E}">
-        <p14:creationId xmlns:p14="http://schemas.microsoft.com/office/powerpoint/2010/main" val="142990780"/>
+        <p14:creationId xmlns:p14="http://schemas.microsoft.com/office/powerpoint/2010/main" val="1919137567"/>
       </p:ext>
     </p:extLst>
   </p:cSld>
@@ -6071,7 +6066,7 @@
           <a:p>
             <a:r>
               <a:rPr lang="pt-BR" dirty="0" smtClean="0"/>
-              <a:t>Bibliografias</a:t>
+              <a:t>Conclusão</a:t>
             </a:r>
             <a:endParaRPr lang="pt-BR" dirty="0"/>
           </a:p>
@@ -6094,8 +6089,10 @@
           <a:p>
             <a:r>
               <a:rPr lang="pt-BR" dirty="0" smtClean="0"/>
-              <a:t>[CADA UM colocar aqui a sua bibliografia]</a:t>
-            </a:r>
+              <a:t>[Colocar aqui um texto com a parte da conclusão do curso]</a:t>
+            </a:r>
+          </a:p>
+          <a:p>
             <a:endParaRPr lang="pt-BR" dirty="0"/>
           </a:p>
         </p:txBody>
@@ -6103,7 +6100,7 @@
     </p:spTree>
     <p:extLst>
       <p:ext uri="{BB962C8B-B14F-4D97-AF65-F5344CB8AC3E}">
-        <p14:creationId xmlns:p14="http://schemas.microsoft.com/office/powerpoint/2010/main" val="3281224344"/>
+        <p14:creationId xmlns:p14="http://schemas.microsoft.com/office/powerpoint/2010/main" val="142990780"/>
       </p:ext>
     </p:extLst>
   </p:cSld>
@@ -6147,6 +6144,82 @@
           <a:p>
             <a:r>
               <a:rPr lang="pt-BR" dirty="0" smtClean="0"/>
+              <a:t>Bibliografias</a:t>
+            </a:r>
+            <a:endParaRPr lang="pt-BR" dirty="0"/>
+          </a:p>
+        </p:txBody>
+      </p:sp>
+      <p:sp>
+        <p:nvSpPr>
+          <p:cNvPr id="3" name="Content Placeholder 2"/>
+          <p:cNvSpPr>
+            <a:spLocks noGrp="1"/>
+          </p:cNvSpPr>
+          <p:nvPr>
+            <p:ph idx="1"/>
+          </p:nvPr>
+        </p:nvSpPr>
+        <p:spPr/>
+        <p:txBody>
+          <a:bodyPr/>
+          <a:lstStyle/>
+          <a:p>
+            <a:r>
+              <a:rPr lang="pt-BR" dirty="0" smtClean="0"/>
+              <a:t>[CADA UM colocar aqui a sua bibliografia]</a:t>
+            </a:r>
+            <a:endParaRPr lang="pt-BR" dirty="0"/>
+          </a:p>
+        </p:txBody>
+      </p:sp>
+    </p:spTree>
+    <p:extLst>
+      <p:ext uri="{BB962C8B-B14F-4D97-AF65-F5344CB8AC3E}">
+        <p14:creationId xmlns:p14="http://schemas.microsoft.com/office/powerpoint/2010/main" val="3281224344"/>
+      </p:ext>
+    </p:extLst>
+  </p:cSld>
+  <p:clrMapOvr>
+    <a:masterClrMapping/>
+  </p:clrMapOvr>
+</p:sld>
+</file>
+
+<file path=ppt/slides/slide7.xml><?xml version="1.0" encoding="utf-8"?>
+<p:sld xmlns:a="http://schemas.openxmlformats.org/drawingml/2006/main" xmlns:r="http://schemas.openxmlformats.org/officeDocument/2006/relationships" xmlns:p="http://schemas.openxmlformats.org/presentationml/2006/main">
+  <p:cSld>
+    <p:spTree>
+      <p:nvGrpSpPr>
+        <p:cNvPr id="1" name=""/>
+        <p:cNvGrpSpPr/>
+        <p:nvPr/>
+      </p:nvGrpSpPr>
+      <p:grpSpPr>
+        <a:xfrm>
+          <a:off x="0" y="0"/>
+          <a:ext cx="0" cy="0"/>
+          <a:chOff x="0" y="0"/>
+          <a:chExt cx="0" cy="0"/>
+        </a:xfrm>
+      </p:grpSpPr>
+      <p:sp>
+        <p:nvSpPr>
+          <p:cNvPr id="2" name="Title 1"/>
+          <p:cNvSpPr>
+            <a:spLocks noGrp="1"/>
+          </p:cNvSpPr>
+          <p:nvPr>
+            <p:ph type="title"/>
+          </p:nvPr>
+        </p:nvSpPr>
+        <p:spPr/>
+        <p:txBody>
+          <a:bodyPr/>
+          <a:lstStyle/>
+          <a:p>
+            <a:r>
+              <a:rPr lang="pt-BR" dirty="0" smtClean="0"/>
               <a:t>Alunos</a:t>
             </a:r>
             <a:endParaRPr lang="pt-BR" dirty="0"/>
@@ -6170,11 +6243,7 @@
           <a:p>
             <a:r>
               <a:rPr lang="pt-BR" dirty="0" smtClean="0"/>
-              <a:t>[Coloque aqui seu nome e R.A</a:t>
-            </a:r>
-            <a:r>
-              <a:rPr lang="pt-BR" dirty="0" smtClean="0"/>
-              <a:t>.]</a:t>
+              <a:t>[Coloque aqui seu nome e R.A.]</a:t>
             </a:r>
           </a:p>
           <a:p>
